--- a/Unit3/b_parallel/rf.pptx
+++ b/Unit3/b_parallel/rf.pptx
@@ -5,17 +5,19 @@
     <p:sldMasterId id="2147483935" r:id="rId4"/>
   </p:sldMasterIdLst>
   <p:notesMasterIdLst>
-    <p:notesMasterId r:id="rId10"/>
+    <p:notesMasterId r:id="rId12"/>
   </p:notesMasterIdLst>
   <p:handoutMasterIdLst>
-    <p:handoutMasterId r:id="rId11"/>
+    <p:handoutMasterId r:id="rId13"/>
   </p:handoutMasterIdLst>
   <p:sldIdLst>
-    <p:sldId id="361" r:id="rId5"/>
-    <p:sldId id="362" r:id="rId6"/>
-    <p:sldId id="357" r:id="rId7"/>
-    <p:sldId id="358" r:id="rId8"/>
-    <p:sldId id="356" r:id="rId9"/>
+    <p:sldId id="363" r:id="rId5"/>
+    <p:sldId id="349" r:id="rId6"/>
+    <p:sldId id="361" r:id="rId7"/>
+    <p:sldId id="362" r:id="rId8"/>
+    <p:sldId id="357" r:id="rId9"/>
+    <p:sldId id="358" r:id="rId10"/>
+    <p:sldId id="356" r:id="rId11"/>
   </p:sldIdLst>
   <p:sldSz cx="9144000" cy="6858000" type="screen4x3"/>
   <p:notesSz cx="7010400" cy="9296400"/>
@@ -280,7 +282,7 @@
           <a:p>
             <a:fld id="{2361A6FC-215E-440C-85C1-7C5D8113132A}" type="datetimeFigureOut">
               <a:rPr lang="en-US" smtClean="0"/>
-              <a:t>12/27/17</a:t>
+              <a:t>12/8/18</a:t>
             </a:fld>
             <a:endParaRPr lang="en-US"/>
           </a:p>
@@ -445,7 +447,7 @@
           <a:p>
             <a:fld id="{38762069-76AF-42C7-A5A2-4F411E37AD85}" type="datetimeFigureOut">
               <a:rPr lang="en-US" smtClean="0"/>
-              <a:t>12/27/17</a:t>
+              <a:t>12/8/18</a:t>
             </a:fld>
             <a:endParaRPr lang="en-US"/>
           </a:p>
@@ -1058,7 +1060,7 @@
           </a:lstStyle>
           <a:p>
             <a:r>
-              <a:rPr lang="en-US" smtClean="0"/>
+              <a:rPr lang="en-US"/>
               <a:t>Click to edit Master title style</a:t>
             </a:r>
             <a:endParaRPr lang="en-US" dirty="0"/>
@@ -1177,7 +1179,7 @@
           </a:lstStyle>
           <a:p>
             <a:r>
-              <a:rPr lang="en-US" smtClean="0"/>
+              <a:rPr lang="en-US"/>
               <a:t>Click to edit Master subtitle style</a:t>
             </a:r>
             <a:endParaRPr lang="en-US" dirty="0"/>
@@ -1499,13 +1501,6 @@
   <p:clrMapOvr>
     <a:masterClrMapping/>
   </p:clrMapOvr>
-  <p:timing>
-    <p:tnLst>
-      <p:par>
-        <p:cTn id="1" dur="indefinite" restart="never" nodeType="tmRoot"/>
-      </p:par>
-    </p:tnLst>
-  </p:timing>
 </p:sldLayout>
 </file>
 
@@ -1581,35 +1576,35 @@
           <a:p>
             <a:pPr lvl="0"/>
             <a:r>
-              <a:rPr lang="en-US" smtClean="0"/>
+              <a:rPr lang="en-US"/>
               <a:t>Click to edit Master text styles</a:t>
             </a:r>
           </a:p>
           <a:p>
             <a:pPr lvl="1"/>
             <a:r>
-              <a:rPr lang="en-US" smtClean="0"/>
+              <a:rPr lang="en-US"/>
               <a:t>Second level</a:t>
             </a:r>
           </a:p>
           <a:p>
             <a:pPr lvl="2"/>
             <a:r>
-              <a:rPr lang="en-US" smtClean="0"/>
+              <a:rPr lang="en-US"/>
               <a:t>Third level</a:t>
             </a:r>
           </a:p>
           <a:p>
             <a:pPr lvl="3"/>
             <a:r>
-              <a:rPr lang="en-US" smtClean="0"/>
+              <a:rPr lang="en-US"/>
               <a:t>Fourth level</a:t>
             </a:r>
           </a:p>
           <a:p>
             <a:pPr lvl="4"/>
             <a:r>
-              <a:rPr lang="en-US" smtClean="0"/>
+              <a:rPr lang="en-US"/>
               <a:t>Fifth level</a:t>
             </a:r>
             <a:endParaRPr lang="en-US" dirty="0"/>
@@ -1632,10 +1627,9 @@
           <a:lstStyle/>
           <a:p>
             <a:r>
-              <a:rPr lang="en-US" smtClean="0"/>
+              <a:rPr lang="en-US"/>
               <a:t>Click to edit Master title style</a:t>
             </a:r>
-            <a:endParaRPr lang="en-US"/>
           </a:p>
         </p:txBody>
       </p:sp>
@@ -1649,13 +1643,6 @@
   <p:clrMapOvr>
     <a:masterClrMapping/>
   </p:clrMapOvr>
-  <p:timing>
-    <p:tnLst>
-      <p:par>
-        <p:cTn id="1" dur="indefinite" restart="never" nodeType="tmRoot"/>
-      </p:par>
-    </p:tnLst>
-  </p:timing>
 </p:sldLayout>
 </file>
 
@@ -1701,7 +1688,7 @@
           </a:lstStyle>
           <a:p>
             <a:r>
-              <a:rPr lang="en-US" smtClean="0"/>
+              <a:rPr lang="en-US"/>
               <a:t>Click to edit Master title style</a:t>
             </a:r>
             <a:endParaRPr lang="en-US" dirty="0"/>
@@ -1771,7 +1758,7 @@
           <a:p>
             <a:pPr lvl="0"/>
             <a:r>
-              <a:rPr lang="en-US" smtClean="0"/>
+              <a:rPr lang="en-US"/>
               <a:t>Click to edit Master text styles</a:t>
             </a:r>
           </a:p>
@@ -1829,35 +1816,35 @@
           <a:p>
             <a:pPr lvl="0"/>
             <a:r>
-              <a:rPr lang="en-US" smtClean="0"/>
+              <a:rPr lang="en-US"/>
               <a:t>Click to edit Master text styles</a:t>
             </a:r>
           </a:p>
           <a:p>
             <a:pPr lvl="1"/>
             <a:r>
-              <a:rPr lang="en-US" smtClean="0"/>
+              <a:rPr lang="en-US"/>
               <a:t>Second level</a:t>
             </a:r>
           </a:p>
           <a:p>
             <a:pPr lvl="2"/>
             <a:r>
-              <a:rPr lang="en-US" smtClean="0"/>
+              <a:rPr lang="en-US"/>
               <a:t>Third level</a:t>
             </a:r>
           </a:p>
           <a:p>
             <a:pPr lvl="3"/>
             <a:r>
-              <a:rPr lang="en-US" smtClean="0"/>
+              <a:rPr lang="en-US"/>
               <a:t>Fourth level</a:t>
             </a:r>
           </a:p>
           <a:p>
             <a:pPr lvl="4"/>
             <a:r>
-              <a:rPr lang="en-US" smtClean="0"/>
+              <a:rPr lang="en-US"/>
               <a:t>Fifth level</a:t>
             </a:r>
             <a:endParaRPr lang="en-US" dirty="0"/>
@@ -1927,7 +1914,7 @@
           <a:p>
             <a:pPr lvl="0"/>
             <a:r>
-              <a:rPr lang="en-US" smtClean="0"/>
+              <a:rPr lang="en-US"/>
               <a:t>Click to edit Master text styles</a:t>
             </a:r>
           </a:p>
@@ -1990,35 +1977,35 @@
           <a:p>
             <a:pPr lvl="0"/>
             <a:r>
-              <a:rPr lang="en-US" smtClean="0"/>
+              <a:rPr lang="en-US"/>
               <a:t>Click to edit Master text styles</a:t>
             </a:r>
           </a:p>
           <a:p>
             <a:pPr lvl="1"/>
             <a:r>
-              <a:rPr lang="en-US" smtClean="0"/>
+              <a:rPr lang="en-US"/>
               <a:t>Second level</a:t>
             </a:r>
           </a:p>
           <a:p>
             <a:pPr lvl="2"/>
             <a:r>
-              <a:rPr lang="en-US" smtClean="0"/>
+              <a:rPr lang="en-US"/>
               <a:t>Third level</a:t>
             </a:r>
           </a:p>
           <a:p>
             <a:pPr lvl="3"/>
             <a:r>
-              <a:rPr lang="en-US" smtClean="0"/>
+              <a:rPr lang="en-US"/>
               <a:t>Fourth level</a:t>
             </a:r>
           </a:p>
           <a:p>
             <a:pPr lvl="4"/>
             <a:r>
-              <a:rPr lang="en-US" smtClean="0"/>
+              <a:rPr lang="en-US"/>
               <a:t>Fifth level</a:t>
             </a:r>
             <a:endParaRPr lang="en-US" dirty="0"/>
@@ -2211,7 +2198,7 @@
           <a:lstStyle/>
           <a:p>
             <a:r>
-              <a:rPr lang="en-US" smtClean="0"/>
+              <a:rPr lang="en-US"/>
               <a:t>Click to edit Master title style</a:t>
             </a:r>
             <a:endParaRPr lang="en-US" dirty="0"/>
@@ -2328,7 +2315,7 @@
           <a:lstStyle/>
           <a:p>
             <a:r>
-              <a:rPr lang="en-US" smtClean="0"/>
+              <a:rPr lang="en-US"/>
               <a:t>Click to edit Master title style</a:t>
             </a:r>
             <a:endParaRPr lang="en-US" dirty="0"/>
@@ -2345,13 +2332,6 @@
   <p:clrMapOvr>
     <a:masterClrMapping/>
   </p:clrMapOvr>
-  <p:timing>
-    <p:tnLst>
-      <p:par>
-        <p:cTn id="1" dur="indefinite" restart="never" nodeType="tmRoot"/>
-      </p:par>
-    </p:tnLst>
-  </p:timing>
 </p:sldLayout>
 </file>
 
@@ -2393,7 +2373,7 @@
           <a:lstStyle/>
           <a:p>
             <a:r>
-              <a:rPr lang="en-US" smtClean="0"/>
+              <a:rPr lang="en-US"/>
               <a:t>Click to edit Master title style</a:t>
             </a:r>
             <a:endParaRPr lang="en-US" dirty="0"/>
@@ -2406,13 +2386,6 @@
   <p:clrMapOvr>
     <a:masterClrMapping/>
   </p:clrMapOvr>
-  <p:timing>
-    <p:tnLst>
-      <p:par>
-        <p:cTn id="1" dur="indefinite" restart="never" nodeType="tmRoot"/>
-      </p:par>
-    </p:tnLst>
-  </p:timing>
 </p:sldLayout>
 </file>
 
@@ -2443,13 +2416,6 @@
   <p:clrMapOvr>
     <a:masterClrMapping/>
   </p:clrMapOvr>
-  <p:timing>
-    <p:tnLst>
-      <p:par>
-        <p:cTn id="1" dur="indefinite" restart="never" nodeType="tmRoot"/>
-      </p:par>
-    </p:tnLst>
-  </p:timing>
 </p:sldLayout>
 </file>
 
@@ -2610,7 +2576,7 @@
           <a:p>
             <a:pPr lvl="0"/>
             <a:r>
-              <a:rPr lang="en-US" smtClean="0"/>
+              <a:rPr lang="en-US"/>
               <a:t>Click to edit Master title style</a:t>
             </a:r>
             <a:endParaRPr lang="en-US" dirty="0"/>
@@ -2654,35 +2620,35 @@
           <a:p>
             <a:pPr lvl="0"/>
             <a:r>
-              <a:rPr lang="en-US" smtClean="0"/>
+              <a:rPr lang="en-US"/>
               <a:t>Click to edit Master text styles</a:t>
             </a:r>
           </a:p>
           <a:p>
             <a:pPr lvl="1"/>
             <a:r>
-              <a:rPr lang="en-US" smtClean="0"/>
+              <a:rPr lang="en-US"/>
               <a:t>Second level</a:t>
             </a:r>
           </a:p>
           <a:p>
             <a:pPr lvl="2"/>
             <a:r>
-              <a:rPr lang="en-US" smtClean="0"/>
+              <a:rPr lang="en-US"/>
               <a:t>Third level</a:t>
             </a:r>
           </a:p>
           <a:p>
             <a:pPr lvl="3"/>
             <a:r>
-              <a:rPr lang="en-US" smtClean="0"/>
+              <a:rPr lang="en-US"/>
               <a:t>Fourth level</a:t>
             </a:r>
           </a:p>
           <a:p>
             <a:pPr lvl="4"/>
             <a:r>
-              <a:rPr lang="en-US" smtClean="0"/>
+              <a:rPr lang="en-US"/>
               <a:t>Fifth level</a:t>
             </a:r>
             <a:endParaRPr lang="en-US" dirty="0"/>
@@ -2824,13 +2790,6 @@
     <p:sldLayoutId id="2147483959" r:id="rId6"/>
     <p:sldLayoutId id="2147483942" r:id="rId7"/>
   </p:sldLayoutIdLst>
-  <p:timing>
-    <p:tnLst>
-      <p:par>
-        <p:cTn id="1" dur="indefinite" restart="never" nodeType="tmRoot"/>
-      </p:par>
-    </p:tnLst>
-  </p:timing>
   <p:hf hdr="0" ftr="0" dt="0"/>
   <p:txStyles>
     <p:titleStyle>
@@ -3288,6 +3247,266 @@
           <a:chExt cx="0" cy="0"/>
         </a:xfrm>
       </p:grpSpPr>
+      <p:sp>
+        <p:nvSpPr>
+          <p:cNvPr id="2" name="Title 1">
+            <a:extLst>
+              <a:ext uri="{FF2B5EF4-FFF2-40B4-BE49-F238E27FC236}">
+                <a16:creationId xmlns:a16="http://schemas.microsoft.com/office/drawing/2014/main" id="{5D31EFB4-13D5-F64E-9B29-992F544B3B39}"/>
+              </a:ext>
+            </a:extLst>
+          </p:cNvPr>
+          <p:cNvSpPr>
+            <a:spLocks noGrp="1"/>
+          </p:cNvSpPr>
+          <p:nvPr>
+            <p:ph type="ctrTitle"/>
+          </p:nvPr>
+        </p:nvSpPr>
+        <p:spPr>
+          <a:xfrm>
+            <a:off x="201168" y="432897"/>
+            <a:ext cx="5285232" cy="1661993"/>
+          </a:xfrm>
+        </p:spPr>
+        <p:txBody>
+          <a:bodyPr/>
+          <a:lstStyle/>
+          <a:p>
+            <a:r>
+              <a:rPr lang="en-US" dirty="0"/>
+              <a:t>Example of R Parallelization with Random Forest Classification</a:t>
+            </a:r>
+          </a:p>
+        </p:txBody>
+      </p:sp>
+      <p:sp>
+        <p:nvSpPr>
+          <p:cNvPr id="3" name="Subtitle 2">
+            <a:extLst>
+              <a:ext uri="{FF2B5EF4-FFF2-40B4-BE49-F238E27FC236}">
+                <a16:creationId xmlns:a16="http://schemas.microsoft.com/office/drawing/2014/main" id="{CB7607FE-F0E2-9B41-B5D4-93E62D38C11F}"/>
+              </a:ext>
+            </a:extLst>
+          </p:cNvPr>
+          <p:cNvSpPr>
+            <a:spLocks noGrp="1"/>
+          </p:cNvSpPr>
+          <p:nvPr>
+            <p:ph type="subTitle" idx="1"/>
+          </p:nvPr>
+        </p:nvSpPr>
+        <p:spPr>
+          <a:xfrm>
+            <a:off x="201168" y="3428999"/>
+            <a:ext cx="3255297" cy="1661993"/>
+          </a:xfrm>
+        </p:spPr>
+        <p:txBody>
+          <a:bodyPr/>
+          <a:lstStyle/>
+          <a:p>
+            <a:r>
+              <a:rPr lang="en-US" dirty="0"/>
+              <a:t>George Ostrouchov</a:t>
+            </a:r>
+          </a:p>
+          <a:p>
+            <a:r>
+              <a:rPr lang="en-US" dirty="0"/>
+              <a:t>Wei-Chen Chen</a:t>
+            </a:r>
+          </a:p>
+          <a:p>
+            <a:r>
+              <a:rPr lang="en-US" dirty="0"/>
+              <a:t>Drew Schmidt</a:t>
+            </a:r>
+          </a:p>
+        </p:txBody>
+      </p:sp>
+    </p:spTree>
+    <p:extLst>
+      <p:ext uri="{BB962C8B-B14F-4D97-AF65-F5344CB8AC3E}">
+        <p14:creationId xmlns:p14="http://schemas.microsoft.com/office/powerpoint/2010/main" val="1307274173"/>
+      </p:ext>
+    </p:extLst>
+  </p:cSld>
+  <p:clrMapOvr>
+    <a:masterClrMapping/>
+  </p:clrMapOvr>
+</p:sld>
+</file>
+
+<file path=ppt/slides/slide2.xml><?xml version="1.0" encoding="utf-8"?>
+<p:sld xmlns:a="http://schemas.openxmlformats.org/drawingml/2006/main" xmlns:r="http://schemas.openxmlformats.org/officeDocument/2006/relationships" xmlns:p="http://schemas.openxmlformats.org/presentationml/2006/main">
+  <p:cSld>
+    <p:spTree>
+      <p:nvGrpSpPr>
+        <p:cNvPr id="1" name=""/>
+        <p:cNvGrpSpPr/>
+        <p:nvPr/>
+      </p:nvGrpSpPr>
+      <p:grpSpPr>
+        <a:xfrm>
+          <a:off x="0" y="0"/>
+          <a:ext cx="0" cy="0"/>
+          <a:chOff x="0" y="0"/>
+          <a:chExt cx="0" cy="0"/>
+        </a:xfrm>
+      </p:grpSpPr>
+      <p:sp>
+        <p:nvSpPr>
+          <p:cNvPr id="6" name="Title 5"/>
+          <p:cNvSpPr>
+            <a:spLocks noGrp="1"/>
+          </p:cNvSpPr>
+          <p:nvPr>
+            <p:ph type="title"/>
+          </p:nvPr>
+        </p:nvSpPr>
+        <p:spPr>
+          <a:xfrm>
+            <a:off x="201168" y="237744"/>
+            <a:ext cx="8628678" cy="484748"/>
+          </a:xfrm>
+        </p:spPr>
+        <p:txBody>
+          <a:bodyPr/>
+          <a:lstStyle/>
+          <a:p>
+            <a:r>
+              <a:rPr lang="en-US" dirty="0" err="1"/>
+              <a:t>LetterRecognition</a:t>
+            </a:r>
+            <a:r>
+              <a:rPr lang="en-US" dirty="0"/>
+              <a:t> Data: 20,000 x 17 Matrix</a:t>
+            </a:r>
+          </a:p>
+        </p:txBody>
+      </p:sp>
+      <p:pic>
+        <p:nvPicPr>
+          <p:cNvPr id="5" name="Picture 4"/>
+          <p:cNvPicPr>
+            <a:picLocks noChangeAspect="1"/>
+          </p:cNvPicPr>
+          <p:nvPr/>
+        </p:nvPicPr>
+        <p:blipFill rotWithShape="1">
+          <a:blip r:embed="rId2">
+            <a:extLst>
+              <a:ext uri="{28A0092B-C50C-407E-A947-70E740481C1C}">
+                <a14:useLocalDpi xmlns:a14="http://schemas.microsoft.com/office/drawing/2010/main" val="0"/>
+              </a:ext>
+            </a:extLst>
+          </a:blip>
+          <a:srcRect t="23389" b="15849"/>
+          <a:stretch/>
+        </p:blipFill>
+        <p:spPr>
+          <a:xfrm>
+            <a:off x="287603" y="2231136"/>
+            <a:ext cx="8542243" cy="3889248"/>
+          </a:xfrm>
+          <a:prstGeom prst="rect">
+            <a:avLst/>
+          </a:prstGeom>
+        </p:spPr>
+      </p:pic>
+      <p:sp>
+        <p:nvSpPr>
+          <p:cNvPr id="2" name="TextBox 1">
+            <a:extLst>
+              <a:ext uri="{FF2B5EF4-FFF2-40B4-BE49-F238E27FC236}">
+                <a16:creationId xmlns:a16="http://schemas.microsoft.com/office/drawing/2014/main" id="{7D65099D-2ED8-D545-A5BD-B573C983E9F3}"/>
+              </a:ext>
+            </a:extLst>
+          </p:cNvPr>
+          <p:cNvSpPr txBox="1"/>
+          <p:nvPr/>
+        </p:nvSpPr>
+        <p:spPr>
+          <a:xfrm>
+            <a:off x="2810032" y="885927"/>
+            <a:ext cx="3031599" cy="840230"/>
+          </a:xfrm>
+          <a:prstGeom prst="rect">
+            <a:avLst/>
+          </a:prstGeom>
+          <a:noFill/>
+        </p:spPr>
+        <p:txBody>
+          <a:bodyPr wrap="none" rtlCol="0">
+            <a:spAutoFit/>
+          </a:bodyPr>
+          <a:lstStyle/>
+          <a:p>
+            <a:pPr algn="ctr">
+              <a:lnSpc>
+                <a:spcPct val="90000"/>
+              </a:lnSpc>
+            </a:pPr>
+            <a:r>
+              <a:rPr lang="en-US" dirty="0"/>
+              <a:t>:</a:t>
+            </a:r>
+          </a:p>
+          <a:p>
+            <a:pPr algn="ctr">
+              <a:lnSpc>
+                <a:spcPct val="90000"/>
+              </a:lnSpc>
+            </a:pPr>
+            <a:r>
+              <a:rPr lang="en-US" dirty="0"/>
+              <a:t>Serial to Multicore Parallel</a:t>
+            </a:r>
+          </a:p>
+          <a:p>
+            <a:pPr algn="ctr">
+              <a:lnSpc>
+                <a:spcPct val="90000"/>
+              </a:lnSpc>
+            </a:pPr>
+            <a:r>
+              <a:rPr lang="en-US" dirty="0"/>
+              <a:t>Serial to Distributed Parallel</a:t>
+            </a:r>
+          </a:p>
+        </p:txBody>
+      </p:sp>
+    </p:spTree>
+    <p:extLst>
+      <p:ext uri="{BB962C8B-B14F-4D97-AF65-F5344CB8AC3E}">
+        <p14:creationId xmlns:p14="http://schemas.microsoft.com/office/powerpoint/2010/main" val="948658944"/>
+      </p:ext>
+    </p:extLst>
+  </p:cSld>
+  <p:clrMapOvr>
+    <a:masterClrMapping/>
+  </p:clrMapOvr>
+</p:sld>
+</file>
+
+<file path=ppt/slides/slide3.xml><?xml version="1.0" encoding="utf-8"?>
+<p:sld xmlns:a="http://schemas.openxmlformats.org/drawingml/2006/main" xmlns:r="http://schemas.openxmlformats.org/officeDocument/2006/relationships" xmlns:p="http://schemas.openxmlformats.org/presentationml/2006/main">
+  <p:cSld>
+    <p:spTree>
+      <p:nvGrpSpPr>
+        <p:cNvPr id="1" name=""/>
+        <p:cNvGrpSpPr/>
+        <p:nvPr/>
+      </p:nvGrpSpPr>
+      <p:grpSpPr>
+        <a:xfrm>
+          <a:off x="0" y="0"/>
+          <a:ext cx="0" cy="0"/>
+          <a:chOff x="0" y="0"/>
+          <a:chExt cx="0" cy="0"/>
+        </a:xfrm>
+      </p:grpSpPr>
       <p:pic>
         <p:nvPicPr>
           <p:cNvPr id="20" name="Picture 19"/>
@@ -3340,21 +3559,16 @@
           <a:lstStyle/>
           <a:p>
             <a:r>
-              <a:rPr lang="en-US" dirty="0" smtClean="0"/>
+              <a:rPr lang="en-US" dirty="0"/>
               <a:t>Random Forest:  Fit Simple Models, </a:t>
             </a:r>
             <a:br>
-              <a:rPr lang="en-US" dirty="0" smtClean="0"/>
+              <a:rPr lang="en-US" dirty="0"/>
             </a:br>
             <a:r>
               <a:rPr lang="en-US" dirty="0"/>
-              <a:t> </a:t>
-            </a:r>
-            <a:r>
-              <a:rPr lang="en-US" dirty="0" smtClean="0"/>
-              <a:t>                       Use Model Averaging to Predict</a:t>
-            </a:r>
-            <a:endParaRPr lang="en-US" dirty="0"/>
+              <a:t>                        Use Model Averaging to Predict</a:t>
+            </a:r>
           </a:p>
         </p:txBody>
       </p:sp>
@@ -3386,7 +3600,7 @@
               </a:lnSpc>
             </a:pPr>
             <a:r>
-              <a:rPr lang="en-US" b="1" dirty="0" smtClean="0">
+              <a:rPr lang="en-US" b="1" dirty="0">
                 <a:solidFill>
                   <a:srgbClr val="FF0000"/>
                 </a:solidFill>
@@ -3394,7 +3608,7 @@
               <a:t>1. Setup</a:t>
             </a:r>
             <a:r>
-              <a:rPr lang="en-US" dirty="0" smtClean="0">
+              <a:rPr lang="en-US" dirty="0">
                 <a:solidFill>
                   <a:srgbClr val="FF0000"/>
                 </a:solidFill>
@@ -3480,7 +3694,7 @@
               </a:lnSpc>
             </a:pPr>
             <a:r>
-              <a:rPr lang="en-US" b="1" dirty="0" smtClean="0">
+              <a:rPr lang="en-US" b="1" dirty="0">
                 <a:solidFill>
                   <a:srgbClr val="FF0000"/>
                 </a:solidFill>
@@ -3488,7 +3702,7 @@
               <a:t>2. Split</a:t>
             </a:r>
             <a:r>
-              <a:rPr lang="en-US" dirty="0" smtClean="0">
+              <a:rPr lang="en-US" dirty="0">
                 <a:solidFill>
                   <a:srgbClr val="FF0000"/>
                 </a:solidFill>
@@ -3496,7 +3710,7 @@
               <a:t> data into </a:t>
             </a:r>
             <a:r>
-              <a:rPr lang="en-US" i="1" dirty="0" smtClean="0">
+              <a:rPr lang="en-US" i="1" dirty="0">
                 <a:solidFill>
                   <a:srgbClr val="FF0000"/>
                 </a:solidFill>
@@ -3504,7 +3718,7 @@
               <a:t>train</a:t>
             </a:r>
             <a:r>
-              <a:rPr lang="en-US" dirty="0" smtClean="0">
+              <a:rPr lang="en-US" dirty="0">
                 <a:solidFill>
                   <a:srgbClr val="FF0000"/>
                 </a:solidFill>
@@ -3512,7 +3726,7 @@
               <a:t> and </a:t>
             </a:r>
             <a:r>
-              <a:rPr lang="en-US" i="1" dirty="0" smtClean="0">
+              <a:rPr lang="en-US" i="1" dirty="0">
                 <a:solidFill>
                   <a:srgbClr val="FF0000"/>
                 </a:solidFill>
@@ -3520,7 +3734,7 @@
               <a:t>test</a:t>
             </a:r>
             <a:r>
-              <a:rPr lang="en-US" dirty="0" smtClean="0">
+              <a:rPr lang="en-US" dirty="0">
                 <a:solidFill>
                   <a:srgbClr val="FF0000"/>
                 </a:solidFill>
@@ -3620,7 +3834,7 @@
                 </a:lnSpc>
               </a:pPr>
               <a:r>
-                <a:rPr lang="en-US" b="1" dirty="0" smtClean="0">
+                <a:rPr lang="en-US" b="1" dirty="0">
                   <a:solidFill>
                     <a:srgbClr val="FF0000"/>
                   </a:solidFill>
@@ -3628,7 +3842,7 @@
                 <a:t>3. Build</a:t>
               </a:r>
               <a:r>
-                <a:rPr lang="en-US" dirty="0" smtClean="0">
+                <a:rPr lang="en-US" dirty="0">
                   <a:solidFill>
                     <a:srgbClr val="FF0000"/>
                   </a:solidFill>
@@ -3636,7 +3850,7 @@
                 <a:t> 500-tree forest from </a:t>
               </a:r>
               <a:r>
-                <a:rPr lang="en-US" i="1" dirty="0" smtClean="0">
+                <a:rPr lang="en-US" i="1" dirty="0">
                   <a:solidFill>
                     <a:srgbClr val="FF0000"/>
                   </a:solidFill>
@@ -3644,7 +3858,7 @@
                 <a:t>train</a:t>
               </a:r>
               <a:r>
-                <a:rPr lang="en-US" dirty="0" smtClean="0">
+                <a:rPr lang="en-US" dirty="0">
                   <a:solidFill>
                     <a:srgbClr val="FF0000"/>
                   </a:solidFill>
@@ -3716,7 +3930,7 @@
                   <a:spcPct val="90000"/>
                 </a:lnSpc>
               </a:pPr>
-              <a:endParaRPr lang="en-US" dirty="0" smtClean="0">
+              <a:endParaRPr lang="en-US" dirty="0">
                 <a:solidFill>
                   <a:schemeClr val="tx1"/>
                 </a:solidFill>
@@ -3767,7 +3981,7 @@
                 </a:lnSpc>
               </a:pPr>
               <a:r>
-                <a:rPr lang="en-US" b="1" dirty="0" smtClean="0">
+                <a:rPr lang="en-US" b="1" dirty="0">
                   <a:solidFill>
                     <a:srgbClr val="FF0000"/>
                   </a:solidFill>
@@ -3775,7 +3989,7 @@
                 <a:t>4. Predict</a:t>
               </a:r>
               <a:r>
-                <a:rPr lang="en-US" dirty="0" smtClean="0">
+                <a:rPr lang="en-US" dirty="0">
                   <a:solidFill>
                     <a:srgbClr val="FF0000"/>
                   </a:solidFill>
@@ -3783,7 +3997,7 @@
                 <a:t> </a:t>
               </a:r>
               <a:r>
-                <a:rPr lang="en-US" i="1" dirty="0" smtClean="0">
+                <a:rPr lang="en-US" i="1" dirty="0">
                   <a:solidFill>
                     <a:srgbClr val="FF0000"/>
                   </a:solidFill>
@@ -3791,7 +4005,7 @@
                 <a:t>test</a:t>
               </a:r>
               <a:r>
-                <a:rPr lang="en-US" dirty="0" smtClean="0">
+                <a:rPr lang="en-US" dirty="0">
                   <a:solidFill>
                     <a:srgbClr val="FF0000"/>
                   </a:solidFill>
@@ -3863,7 +4077,7 @@
                   <a:spcPct val="90000"/>
                 </a:lnSpc>
               </a:pPr>
-              <a:endParaRPr lang="en-US" dirty="0" smtClean="0">
+              <a:endParaRPr lang="en-US" dirty="0">
                 <a:solidFill>
                   <a:schemeClr val="tx1"/>
                 </a:solidFill>
@@ -3900,7 +4114,7 @@
               </a:lnSpc>
             </a:pPr>
             <a:r>
-              <a:rPr lang="en-US" sz="1600" dirty="0" err="1" smtClean="0">
+              <a:rPr lang="en-US" sz="1600" dirty="0" err="1">
                 <a:latin typeface="Monaco" charset="0"/>
                 <a:ea typeface="Monaco" charset="0"/>
                 <a:cs typeface="Monaco" charset="0"/>
@@ -3908,7 +4122,7 @@
               <a:t>rf_serial.r</a:t>
             </a:r>
             <a:r>
-              <a:rPr lang="en-US" sz="1600" dirty="0" smtClean="0">
+              <a:rPr lang="en-US" sz="1600" dirty="0">
                 <a:latin typeface="Monaco" charset="0"/>
                 <a:ea typeface="Monaco" charset="0"/>
                 <a:cs typeface="Monaco" charset="0"/>
@@ -3928,25 +4142,10 @@
   <p:clrMapOvr>
     <a:masterClrMapping/>
   </p:clrMapOvr>
-  <mc:AlternateContent xmlns:mc="http://schemas.openxmlformats.org/markup-compatibility/2006" xmlns:p14="http://schemas.microsoft.com/office/powerpoint/2010/main">
-    <mc:Choice Requires="p14">
-      <p:transition spd="slow" p14:dur="2000"/>
-    </mc:Choice>
-    <mc:Fallback xmlns="">
-      <p:transition spd="slow"/>
-    </mc:Fallback>
-  </mc:AlternateContent>
-  <p:timing>
-    <p:tnLst>
-      <p:par>
-        <p:cTn id="1" dur="indefinite" restart="never" nodeType="tmRoot"/>
-      </p:par>
-    </p:tnLst>
-  </p:timing>
 </p:sld>
 </file>
 
-<file path=ppt/slides/slide2.xml><?xml version="1.0" encoding="utf-8"?>
+<file path=ppt/slides/slide4.xml><?xml version="1.0" encoding="utf-8"?>
 <p:sld xmlns:a="http://schemas.openxmlformats.org/drawingml/2006/main" xmlns:r="http://schemas.openxmlformats.org/officeDocument/2006/relationships" xmlns:p="http://schemas.openxmlformats.org/presentationml/2006/main">
   <p:cSld>
     <p:spTree>
@@ -4015,21 +4214,16 @@
           <a:lstStyle/>
           <a:p>
             <a:r>
-              <a:rPr lang="en-US" dirty="0" smtClean="0"/>
+              <a:rPr lang="en-US" dirty="0"/>
               <a:t>Random Forest:  Fit Simple Models, </a:t>
             </a:r>
             <a:br>
-              <a:rPr lang="en-US" dirty="0" smtClean="0"/>
+              <a:rPr lang="en-US" dirty="0"/>
             </a:br>
             <a:r>
               <a:rPr lang="en-US" dirty="0"/>
-              <a:t> </a:t>
-            </a:r>
-            <a:r>
-              <a:rPr lang="en-US" dirty="0" smtClean="0"/>
-              <a:t>                       Use Model Averaging to Predict</a:t>
-            </a:r>
-            <a:endParaRPr lang="en-US" dirty="0"/>
+              <a:t>                        Use Model Averaging to Predict</a:t>
+            </a:r>
           </a:p>
         </p:txBody>
       </p:sp>
@@ -4061,7 +4255,7 @@
               </a:lnSpc>
             </a:pPr>
             <a:r>
-              <a:rPr lang="en-US" b="1" dirty="0" smtClean="0">
+              <a:rPr lang="en-US" b="1" dirty="0">
                 <a:solidFill>
                   <a:srgbClr val="FF0000"/>
                 </a:solidFill>
@@ -4069,7 +4263,7 @@
               <a:t>1. Setup</a:t>
             </a:r>
             <a:r>
-              <a:rPr lang="en-US" dirty="0" smtClean="0">
+              <a:rPr lang="en-US" dirty="0">
                 <a:solidFill>
                   <a:srgbClr val="FF0000"/>
                 </a:solidFill>
@@ -4155,7 +4349,7 @@
               </a:lnSpc>
             </a:pPr>
             <a:r>
-              <a:rPr lang="en-US" b="1" dirty="0" smtClean="0">
+              <a:rPr lang="en-US" b="1" dirty="0">
                 <a:solidFill>
                   <a:srgbClr val="FF0000"/>
                 </a:solidFill>
@@ -4163,7 +4357,7 @@
               <a:t>2. Split</a:t>
             </a:r>
             <a:r>
-              <a:rPr lang="en-US" dirty="0" smtClean="0">
+              <a:rPr lang="en-US" dirty="0">
                 <a:solidFill>
                   <a:srgbClr val="FF0000"/>
                 </a:solidFill>
@@ -4171,7 +4365,7 @@
               <a:t> data into </a:t>
             </a:r>
             <a:r>
-              <a:rPr lang="en-US" i="1" dirty="0" smtClean="0">
+              <a:rPr lang="en-US" i="1" dirty="0">
                 <a:solidFill>
                   <a:srgbClr val="FF0000"/>
                 </a:solidFill>
@@ -4179,7 +4373,7 @@
               <a:t>train</a:t>
             </a:r>
             <a:r>
-              <a:rPr lang="en-US" dirty="0" smtClean="0">
+              <a:rPr lang="en-US" dirty="0">
                 <a:solidFill>
                   <a:srgbClr val="FF0000"/>
                 </a:solidFill>
@@ -4187,7 +4381,7 @@
               <a:t> and </a:t>
             </a:r>
             <a:r>
-              <a:rPr lang="en-US" i="1" dirty="0" smtClean="0">
+              <a:rPr lang="en-US" i="1" dirty="0">
                 <a:solidFill>
                   <a:srgbClr val="FF0000"/>
                 </a:solidFill>
@@ -4195,7 +4389,7 @@
               <a:t>test</a:t>
             </a:r>
             <a:r>
-              <a:rPr lang="en-US" dirty="0" smtClean="0">
+              <a:rPr lang="en-US" dirty="0">
                 <a:solidFill>
                   <a:srgbClr val="FF0000"/>
                 </a:solidFill>
@@ -4295,7 +4489,7 @@
                 </a:lnSpc>
               </a:pPr>
               <a:r>
-                <a:rPr lang="en-US" b="1" dirty="0" smtClean="0">
+                <a:rPr lang="en-US" b="1" dirty="0">
                   <a:solidFill>
                     <a:srgbClr val="FF0000"/>
                   </a:solidFill>
@@ -4303,7 +4497,7 @@
                 <a:t>3. Build</a:t>
               </a:r>
               <a:r>
-                <a:rPr lang="en-US" dirty="0" smtClean="0">
+                <a:rPr lang="en-US" dirty="0">
                   <a:solidFill>
                     <a:srgbClr val="FF0000"/>
                   </a:solidFill>
@@ -4311,7 +4505,7 @@
                 <a:t> 500-tree forest from </a:t>
               </a:r>
               <a:r>
-                <a:rPr lang="en-US" i="1" dirty="0" smtClean="0">
+                <a:rPr lang="en-US" i="1" dirty="0">
                   <a:solidFill>
                     <a:srgbClr val="FF0000"/>
                   </a:solidFill>
@@ -4319,7 +4513,7 @@
                 <a:t>train</a:t>
               </a:r>
               <a:r>
-                <a:rPr lang="en-US" dirty="0" smtClean="0">
+                <a:rPr lang="en-US" dirty="0">
                   <a:solidFill>
                     <a:srgbClr val="FF0000"/>
                   </a:solidFill>
@@ -4391,7 +4585,7 @@
                   <a:spcPct val="90000"/>
                 </a:lnSpc>
               </a:pPr>
-              <a:endParaRPr lang="en-US" dirty="0" smtClean="0">
+              <a:endParaRPr lang="en-US" dirty="0">
                 <a:solidFill>
                   <a:schemeClr val="tx1"/>
                 </a:solidFill>
@@ -4442,7 +4636,7 @@
                 </a:lnSpc>
               </a:pPr>
               <a:r>
-                <a:rPr lang="en-US" b="1" dirty="0" smtClean="0">
+                <a:rPr lang="en-US" b="1" dirty="0">
                   <a:solidFill>
                     <a:srgbClr val="FF0000"/>
                   </a:solidFill>
@@ -4450,7 +4644,7 @@
                 <a:t>4. Predict</a:t>
               </a:r>
               <a:r>
-                <a:rPr lang="en-US" dirty="0" smtClean="0">
+                <a:rPr lang="en-US" dirty="0">
                   <a:solidFill>
                     <a:srgbClr val="FF0000"/>
                   </a:solidFill>
@@ -4458,7 +4652,7 @@
                 <a:t> </a:t>
               </a:r>
               <a:r>
-                <a:rPr lang="en-US" i="1" dirty="0" smtClean="0">
+                <a:rPr lang="en-US" i="1" dirty="0">
                   <a:solidFill>
                     <a:srgbClr val="FF0000"/>
                   </a:solidFill>
@@ -4466,7 +4660,7 @@
                 <a:t>test</a:t>
               </a:r>
               <a:r>
-                <a:rPr lang="en-US" dirty="0" smtClean="0">
+                <a:rPr lang="en-US" dirty="0">
                   <a:solidFill>
                     <a:srgbClr val="FF0000"/>
                   </a:solidFill>
@@ -4538,7 +4732,7 @@
                   <a:spcPct val="90000"/>
                 </a:lnSpc>
               </a:pPr>
-              <a:endParaRPr lang="en-US" dirty="0" smtClean="0">
+              <a:endParaRPr lang="en-US" dirty="0">
                 <a:solidFill>
                   <a:schemeClr val="tx1"/>
                 </a:solidFill>
@@ -4575,7 +4769,7 @@
               </a:lnSpc>
             </a:pPr>
             <a:r>
-              <a:rPr lang="en-US" sz="1600" dirty="0" err="1" smtClean="0">
+              <a:rPr lang="en-US" sz="1600" dirty="0" err="1">
                 <a:latin typeface="Monaco" charset="0"/>
                 <a:ea typeface="Monaco" charset="0"/>
                 <a:cs typeface="Monaco" charset="0"/>
@@ -4583,7 +4777,7 @@
               <a:t>rf_serial.r</a:t>
             </a:r>
             <a:r>
-              <a:rPr lang="en-US" sz="1600" dirty="0" smtClean="0">
+              <a:rPr lang="en-US" sz="1600" dirty="0">
                 <a:latin typeface="Monaco" charset="0"/>
                 <a:ea typeface="Monaco" charset="0"/>
                 <a:cs typeface="Monaco" charset="0"/>
@@ -4635,7 +4829,7 @@
               </a:lnSpc>
             </a:pPr>
             <a:r>
-              <a:rPr lang="en-US" b="1" dirty="0" smtClean="0">
+              <a:rPr lang="en-US" b="1" dirty="0">
                 <a:solidFill>
                   <a:srgbClr val="1E7640"/>
                 </a:solidFill>
@@ -4652,7 +4846,7 @@
               <a:buChar char="•"/>
             </a:pPr>
             <a:r>
-              <a:rPr lang="en-US" dirty="0" smtClean="0">
+              <a:rPr lang="en-US" dirty="0">
                 <a:solidFill>
                   <a:srgbClr val="1E7640"/>
                 </a:solidFill>
@@ -4660,7 +4854,7 @@
               <a:t>Split the 500 tree </a:t>
             </a:r>
             <a:r>
-              <a:rPr lang="en-US" dirty="0" smtClean="0">
+              <a:rPr lang="en-US" dirty="0">
                 <a:solidFill>
                   <a:srgbClr val="FF0000"/>
                 </a:solidFill>
@@ -4668,7 +4862,7 @@
               <a:t>build</a:t>
             </a:r>
             <a:r>
-              <a:rPr lang="en-US" dirty="0" smtClean="0">
+              <a:rPr lang="en-US" dirty="0">
                 <a:solidFill>
                   <a:srgbClr val="1E7640"/>
                 </a:solidFill>
@@ -4685,7 +4879,7 @@
               <a:buChar char="•"/>
             </a:pPr>
             <a:r>
-              <a:rPr lang="en-US" dirty="0" smtClean="0">
+              <a:rPr lang="en-US" dirty="0">
                 <a:solidFill>
                   <a:srgbClr val="1E7640"/>
                 </a:solidFill>
@@ -4693,7 +4887,7 @@
               <a:t>Split test data and </a:t>
             </a:r>
             <a:r>
-              <a:rPr lang="en-US" dirty="0" smtClean="0">
+              <a:rPr lang="en-US" dirty="0">
                 <a:solidFill>
                   <a:srgbClr val="FF0000"/>
                 </a:solidFill>
@@ -4701,7 +4895,7 @@
               <a:t>predict</a:t>
             </a:r>
             <a:r>
-              <a:rPr lang="en-US" dirty="0" smtClean="0">
+              <a:rPr lang="en-US" dirty="0">
                 <a:solidFill>
                   <a:srgbClr val="1E7640"/>
                 </a:solidFill>
@@ -4721,25 +4915,10 @@
   <p:clrMapOvr>
     <a:masterClrMapping/>
   </p:clrMapOvr>
-  <mc:AlternateContent xmlns:mc="http://schemas.openxmlformats.org/markup-compatibility/2006" xmlns:p14="http://schemas.microsoft.com/office/powerpoint/2010/main">
-    <mc:Choice Requires="p14">
-      <p:transition spd="slow" p14:dur="2000"/>
-    </mc:Choice>
-    <mc:Fallback xmlns="">
-      <p:transition spd="slow"/>
-    </mc:Fallback>
-  </mc:AlternateContent>
-  <p:timing>
-    <p:tnLst>
-      <p:par>
-        <p:cTn id="1" dur="indefinite" restart="never" nodeType="tmRoot"/>
-      </p:par>
-    </p:tnLst>
-  </p:timing>
 </p:sld>
 </file>
 
-<file path=ppt/slides/slide3.xml><?xml version="1.0" encoding="utf-8"?>
+<file path=ppt/slides/slide5.xml><?xml version="1.0" encoding="utf-8"?>
 <p:sld xmlns:a="http://schemas.openxmlformats.org/drawingml/2006/main" xmlns:r="http://schemas.openxmlformats.org/officeDocument/2006/relationships" xmlns:p="http://schemas.openxmlformats.org/presentationml/2006/main">
   <p:cSld>
     <p:spTree>
@@ -4772,7 +4951,7 @@
           <a:lstStyle/>
           <a:p>
             <a:r>
-              <a:rPr lang="en-US" dirty="0" err="1" smtClean="0">
+              <a:rPr lang="en-US" dirty="0" err="1">
                 <a:latin typeface="Monaco" charset="0"/>
                 <a:ea typeface="Monaco" charset="0"/>
                 <a:cs typeface="Monaco" charset="0"/>
@@ -4780,7 +4959,7 @@
               <a:t>pbdMPI</a:t>
             </a:r>
             <a:r>
-              <a:rPr lang="en-US" dirty="0" smtClean="0">
+              <a:rPr lang="en-US" dirty="0">
                 <a:latin typeface="Monaco" charset="0"/>
                 <a:ea typeface="Monaco" charset="0"/>
                 <a:cs typeface="Monaco" charset="0"/>
@@ -4788,7 +4967,7 @@
               <a:t> </a:t>
             </a:r>
             <a:r>
-              <a:rPr lang="en-US" dirty="0" smtClean="0">
+              <a:rPr lang="en-US" dirty="0">
                 <a:latin typeface="+mj-lt"/>
                 <a:ea typeface="Monaco" charset="0"/>
                 <a:cs typeface="Monaco" charset="0"/>
@@ -4841,7 +5020,7 @@
               </a:lnSpc>
             </a:pPr>
             <a:r>
-              <a:rPr lang="en-US" sz="1400" dirty="0" smtClean="0">
+              <a:rPr lang="en-US" sz="1400" dirty="0">
                 <a:solidFill>
                   <a:schemeClr val="tx2"/>
                 </a:solidFill>
@@ -4856,7 +5035,7 @@
               </a:lnSpc>
             </a:pPr>
             <a:r>
-              <a:rPr lang="en-US" sz="1400" dirty="0" smtClean="0">
+              <a:rPr lang="en-US" sz="1400" dirty="0">
                 <a:solidFill>
                   <a:schemeClr val="tx2"/>
                 </a:solidFill>
@@ -4867,7 +5046,7 @@
               <a:t>$ </a:t>
             </a:r>
             <a:r>
-              <a:rPr lang="en-US" sz="1400" dirty="0" err="1" smtClean="0">
+              <a:rPr lang="en-US" sz="1400" dirty="0" err="1">
                 <a:solidFill>
                   <a:schemeClr val="tx2"/>
                 </a:solidFill>
@@ -4878,7 +5057,7 @@
               <a:t>mpirun</a:t>
             </a:r>
             <a:r>
-              <a:rPr lang="en-US" sz="1400" dirty="0" smtClean="0">
+              <a:rPr lang="en-US" sz="1400" dirty="0">
                 <a:solidFill>
                   <a:schemeClr val="tx2"/>
                 </a:solidFill>
@@ -4889,7 +5068,7 @@
               <a:t> –np 4 </a:t>
             </a:r>
             <a:r>
-              <a:rPr lang="en-US" sz="1400" dirty="0" err="1" smtClean="0">
+              <a:rPr lang="en-US" sz="1400" dirty="0" err="1">
                 <a:solidFill>
                   <a:schemeClr val="tx2"/>
                 </a:solidFill>
@@ -4900,7 +5079,7 @@
               <a:t>Rscript</a:t>
             </a:r>
             <a:r>
-              <a:rPr lang="en-US" sz="1400" dirty="0" smtClean="0">
+              <a:rPr lang="en-US" sz="1400" dirty="0">
                 <a:solidFill>
                   <a:schemeClr val="tx2"/>
                 </a:solidFill>
@@ -4911,7 +5090,7 @@
               <a:t> </a:t>
             </a:r>
             <a:r>
-              <a:rPr lang="en-US" sz="1400" dirty="0" err="1" smtClean="0">
+              <a:rPr lang="en-US" sz="1400" dirty="0" err="1">
                 <a:solidFill>
                   <a:schemeClr val="tx2"/>
                 </a:solidFill>
@@ -4922,7 +5101,7 @@
               <a:t>rf_mpi.r</a:t>
             </a:r>
             <a:r>
-              <a:rPr lang="en-US" sz="1400" dirty="0" smtClean="0">
+              <a:rPr lang="en-US" sz="1400" dirty="0">
                 <a:solidFill>
                   <a:schemeClr val="tx2"/>
                 </a:solidFill>
@@ -5020,14 +5199,14 @@
                   </a:lnSpc>
                 </a:pPr>
                 <a:r>
-                  <a:rPr lang="en-US" b="1" dirty="0" smtClean="0">
+                  <a:rPr lang="en-US" b="1" dirty="0">
                     <a:solidFill>
                       <a:srgbClr val="FF0000"/>
                     </a:solidFill>
                   </a:rPr>
                   <a:t>1. Setup</a:t>
                 </a:r>
-                <a:endParaRPr lang="en-US" dirty="0" smtClean="0">
+                <a:endParaRPr lang="en-US" dirty="0">
                   <a:solidFill>
                     <a:srgbClr val="FF0000"/>
                   </a:solidFill>
@@ -5126,14 +5305,14 @@
                   </a:lnSpc>
                 </a:pPr>
                 <a:r>
-                  <a:rPr lang="en-US" b="1" dirty="0" smtClean="0">
+                  <a:rPr lang="en-US" b="1" dirty="0">
                     <a:solidFill>
                       <a:srgbClr val="FF0000"/>
                     </a:solidFill>
                   </a:rPr>
                   <a:t>2. Split</a:t>
                 </a:r>
-                <a:endParaRPr lang="en-US" dirty="0" smtClean="0">
+                <a:endParaRPr lang="en-US" dirty="0">
                   <a:solidFill>
                     <a:srgbClr val="FF0000"/>
                   </a:solidFill>
@@ -5232,14 +5411,14 @@
                   </a:lnSpc>
                 </a:pPr>
                 <a:r>
-                  <a:rPr lang="en-US" b="1" dirty="0" smtClean="0">
+                  <a:rPr lang="en-US" b="1" dirty="0">
                     <a:solidFill>
                       <a:srgbClr val="FF0000"/>
                     </a:solidFill>
                   </a:rPr>
                   <a:t>3. Build</a:t>
                 </a:r>
-                <a:endParaRPr lang="en-US" dirty="0" smtClean="0">
+                <a:endParaRPr lang="en-US" dirty="0">
                   <a:solidFill>
                     <a:srgbClr val="FF0000"/>
                   </a:solidFill>
@@ -5338,14 +5517,14 @@
                   </a:lnSpc>
                 </a:pPr>
                 <a:r>
-                  <a:rPr lang="en-US" b="1" dirty="0" smtClean="0">
+                  <a:rPr lang="en-US" b="1" dirty="0">
                     <a:solidFill>
                       <a:srgbClr val="FF0000"/>
                     </a:solidFill>
                   </a:rPr>
                   <a:t>4. Predict</a:t>
                 </a:r>
-                <a:endParaRPr lang="en-US" dirty="0" smtClean="0">
+                <a:endParaRPr lang="en-US" dirty="0">
                   <a:solidFill>
                     <a:srgbClr val="FF0000"/>
                   </a:solidFill>
@@ -5435,18 +5614,10 @@
                   <a:ea typeface="Monaco" charset="0"/>
                   <a:cs typeface="Monaco" charset="0"/>
                 </a:rPr>
-                <a:t>r</a:t>
+                <a:t>rf_mpi.r</a:t>
               </a:r>
               <a:r>
-                <a:rPr lang="en-US" sz="1600" dirty="0" err="1" smtClean="0">
-                  <a:latin typeface="Monaco" charset="0"/>
-                  <a:ea typeface="Monaco" charset="0"/>
-                  <a:cs typeface="Monaco" charset="0"/>
-                </a:rPr>
-                <a:t>f_mpi.r</a:t>
-              </a:r>
-              <a:r>
-                <a:rPr lang="en-US" sz="1600" dirty="0" smtClean="0">
+                <a:rPr lang="en-US" sz="1600" dirty="0">
                   <a:latin typeface="Monaco" charset="0"/>
                   <a:ea typeface="Monaco" charset="0"/>
                   <a:cs typeface="Monaco" charset="0"/>
@@ -5501,7 +5672,7 @@
               <a:buChar char="•"/>
             </a:pPr>
             <a:r>
-              <a:rPr lang="en-US" dirty="0" smtClean="0">
+              <a:rPr lang="en-US" dirty="0">
                 <a:solidFill>
                   <a:srgbClr val="1E7640"/>
                 </a:solidFill>
@@ -5518,7 +5689,7 @@
               <a:buChar char="•"/>
             </a:pPr>
             <a:r>
-              <a:rPr lang="en-US" dirty="0" smtClean="0">
+              <a:rPr lang="en-US" dirty="0">
                 <a:solidFill>
                   <a:srgbClr val="1E7640"/>
                 </a:solidFill>
@@ -5535,7 +5706,7 @@
               <a:buChar char="•"/>
             </a:pPr>
             <a:r>
-              <a:rPr lang="en-US" dirty="0" smtClean="0">
+              <a:rPr lang="en-US" dirty="0">
                 <a:solidFill>
                   <a:srgbClr val="1E7640"/>
                 </a:solidFill>
@@ -5543,7 +5714,7 @@
               <a:t>Each copy has different </a:t>
             </a:r>
             <a:r>
-              <a:rPr lang="en-US" i="1" dirty="0" smtClean="0">
+              <a:rPr lang="en-US" i="1" dirty="0">
                 <a:solidFill>
                   <a:srgbClr val="1E7640"/>
                 </a:solidFill>
@@ -5551,7 +5722,7 @@
               <a:t>rank</a:t>
             </a:r>
             <a:r>
-              <a:rPr lang="en-US" dirty="0" smtClean="0">
+              <a:rPr lang="en-US" dirty="0">
                 <a:solidFill>
                   <a:srgbClr val="1E7640"/>
                 </a:solidFill>
@@ -5568,7 +5739,7 @@
               <a:buChar char="•"/>
             </a:pPr>
             <a:r>
-              <a:rPr lang="en-US" dirty="0" smtClean="0">
+              <a:rPr lang="en-US" dirty="0">
                 <a:solidFill>
                   <a:srgbClr val="1E7640"/>
                 </a:solidFill>
@@ -5588,17 +5759,10 @@
   <p:clrMapOvr>
     <a:masterClrMapping/>
   </p:clrMapOvr>
-  <p:timing>
-    <p:tnLst>
-      <p:par>
-        <p:cTn id="1" dur="indefinite" restart="never" nodeType="tmRoot"/>
-      </p:par>
-    </p:tnLst>
-  </p:timing>
 </p:sld>
 </file>
 
-<file path=ppt/slides/slide4.xml><?xml version="1.0" encoding="utf-8"?>
+<file path=ppt/slides/slide6.xml><?xml version="1.0" encoding="utf-8"?>
 <p:sld xmlns:a="http://schemas.openxmlformats.org/drawingml/2006/main" xmlns:r="http://schemas.openxmlformats.org/officeDocument/2006/relationships" xmlns:p="http://schemas.openxmlformats.org/presentationml/2006/main">
   <p:cSld>
     <p:spTree>
@@ -5631,7 +5795,7 @@
           <a:lstStyle/>
           <a:p>
             <a:r>
-              <a:rPr lang="en-US" dirty="0" err="1" smtClean="0">
+              <a:rPr lang="en-US" dirty="0" err="1">
                 <a:latin typeface="Monaco" charset="0"/>
                 <a:ea typeface="Monaco" charset="0"/>
                 <a:cs typeface="Monaco" charset="0"/>
@@ -5639,7 +5803,7 @@
               <a:t>pbdMPI</a:t>
             </a:r>
             <a:r>
-              <a:rPr lang="en-US" dirty="0" smtClean="0">
+              <a:rPr lang="en-US" dirty="0">
                 <a:latin typeface="Monaco" charset="0"/>
                 <a:ea typeface="Monaco" charset="0"/>
                 <a:cs typeface="Monaco" charset="0"/>
@@ -5647,7 +5811,7 @@
               <a:t> </a:t>
             </a:r>
             <a:r>
-              <a:rPr lang="en-US" dirty="0" smtClean="0">
+              <a:rPr lang="en-US" dirty="0">
                 <a:latin typeface="+mj-lt"/>
                 <a:ea typeface="Monaco" charset="0"/>
                 <a:cs typeface="Monaco" charset="0"/>
@@ -5700,7 +5864,7 @@
               </a:lnSpc>
             </a:pPr>
             <a:r>
-              <a:rPr lang="en-US" sz="1400" dirty="0" smtClean="0">
+              <a:rPr lang="en-US" sz="1400" dirty="0">
                 <a:solidFill>
                   <a:schemeClr val="tx2"/>
                 </a:solidFill>
@@ -5715,7 +5879,7 @@
               </a:lnSpc>
             </a:pPr>
             <a:r>
-              <a:rPr lang="en-US" sz="1400" dirty="0" smtClean="0">
+              <a:rPr lang="en-US" sz="1400" dirty="0">
                 <a:solidFill>
                   <a:schemeClr val="tx2"/>
                 </a:solidFill>
@@ -5726,7 +5890,7 @@
               <a:t>$ </a:t>
             </a:r>
             <a:r>
-              <a:rPr lang="en-US" sz="1400" dirty="0" err="1" smtClean="0">
+              <a:rPr lang="en-US" sz="1400" dirty="0" err="1">
                 <a:solidFill>
                   <a:schemeClr val="tx2"/>
                 </a:solidFill>
@@ -5737,7 +5901,7 @@
               <a:t>mpirun</a:t>
             </a:r>
             <a:r>
-              <a:rPr lang="en-US" sz="1400" dirty="0" smtClean="0">
+              <a:rPr lang="en-US" sz="1400" dirty="0">
                 <a:solidFill>
                   <a:schemeClr val="tx2"/>
                 </a:solidFill>
@@ -5748,7 +5912,7 @@
               <a:t> –np 4 </a:t>
             </a:r>
             <a:r>
-              <a:rPr lang="en-US" sz="1400" dirty="0" err="1" smtClean="0">
+              <a:rPr lang="en-US" sz="1400" dirty="0" err="1">
                 <a:solidFill>
                   <a:schemeClr val="tx2"/>
                 </a:solidFill>
@@ -5759,7 +5923,7 @@
               <a:t>Rscript</a:t>
             </a:r>
             <a:r>
-              <a:rPr lang="en-US" sz="1400" dirty="0" smtClean="0">
+              <a:rPr lang="en-US" sz="1400" dirty="0">
                 <a:solidFill>
                   <a:schemeClr val="tx2"/>
                 </a:solidFill>
@@ -5770,7 +5934,7 @@
               <a:t> </a:t>
             </a:r>
             <a:r>
-              <a:rPr lang="en-US" sz="1400" dirty="0" err="1" smtClean="0">
+              <a:rPr lang="en-US" sz="1400" dirty="0" err="1">
                 <a:solidFill>
                   <a:schemeClr val="tx2"/>
                 </a:solidFill>
@@ -5781,7 +5945,7 @@
               <a:t>rf_mpi.r</a:t>
             </a:r>
             <a:r>
-              <a:rPr lang="en-US" sz="1400" dirty="0" smtClean="0">
+              <a:rPr lang="en-US" sz="1400" dirty="0">
                 <a:solidFill>
                   <a:schemeClr val="tx2"/>
                 </a:solidFill>
@@ -5879,14 +6043,14 @@
                   </a:lnSpc>
                 </a:pPr>
                 <a:r>
-                  <a:rPr lang="en-US" b="1" dirty="0" smtClean="0">
+                  <a:rPr lang="en-US" b="1" dirty="0">
                     <a:solidFill>
                       <a:srgbClr val="FF0000"/>
                     </a:solidFill>
                   </a:rPr>
                   <a:t>Setup</a:t>
                 </a:r>
-                <a:endParaRPr lang="en-US" dirty="0" smtClean="0">
+                <a:endParaRPr lang="en-US" dirty="0">
                   <a:solidFill>
                     <a:srgbClr val="FF0000"/>
                   </a:solidFill>
@@ -5985,14 +6149,14 @@
                   </a:lnSpc>
                 </a:pPr>
                 <a:r>
-                  <a:rPr lang="en-US" b="1" dirty="0" smtClean="0">
+                  <a:rPr lang="en-US" b="1" dirty="0">
                     <a:solidFill>
                       <a:srgbClr val="FF0000"/>
                     </a:solidFill>
                   </a:rPr>
                   <a:t>Split</a:t>
                 </a:r>
-                <a:endParaRPr lang="en-US" dirty="0" smtClean="0">
+                <a:endParaRPr lang="en-US" dirty="0">
                   <a:solidFill>
                     <a:srgbClr val="FF0000"/>
                   </a:solidFill>
@@ -6091,14 +6255,14 @@
                   </a:lnSpc>
                 </a:pPr>
                 <a:r>
-                  <a:rPr lang="en-US" b="1" dirty="0" smtClean="0">
+                  <a:rPr lang="en-US" b="1" dirty="0">
                     <a:solidFill>
                       <a:srgbClr val="FF0000"/>
                     </a:solidFill>
                   </a:rPr>
                   <a:t>Build</a:t>
                 </a:r>
-                <a:endParaRPr lang="en-US" dirty="0" smtClean="0">
+                <a:endParaRPr lang="en-US" dirty="0">
                   <a:solidFill>
                     <a:srgbClr val="FF0000"/>
                   </a:solidFill>
@@ -6197,14 +6361,14 @@
                   </a:lnSpc>
                 </a:pPr>
                 <a:r>
-                  <a:rPr lang="en-US" b="1" dirty="0" smtClean="0">
+                  <a:rPr lang="en-US" b="1" dirty="0">
                     <a:solidFill>
                       <a:srgbClr val="FF0000"/>
                     </a:solidFill>
                   </a:rPr>
                   <a:t>Predict</a:t>
                 </a:r>
-                <a:endParaRPr lang="en-US" dirty="0" smtClean="0">
+                <a:endParaRPr lang="en-US" dirty="0">
                   <a:solidFill>
                     <a:srgbClr val="FF0000"/>
                   </a:solidFill>
@@ -6294,18 +6458,10 @@
                   <a:ea typeface="Monaco" charset="0"/>
                   <a:cs typeface="Monaco" charset="0"/>
                 </a:rPr>
-                <a:t>r</a:t>
+                <a:t>rf_mpi.r</a:t>
               </a:r>
               <a:r>
-                <a:rPr lang="en-US" sz="1600" dirty="0" err="1" smtClean="0">
-                  <a:latin typeface="Monaco" charset="0"/>
-                  <a:ea typeface="Monaco" charset="0"/>
-                  <a:cs typeface="Monaco" charset="0"/>
-                </a:rPr>
-                <a:t>f_mpi.r</a:t>
-              </a:r>
-              <a:r>
-                <a:rPr lang="en-US" sz="1600" dirty="0" smtClean="0">
+                <a:rPr lang="en-US" sz="1600" dirty="0">
                   <a:latin typeface="Monaco" charset="0"/>
                   <a:ea typeface="Monaco" charset="0"/>
                   <a:cs typeface="Monaco" charset="0"/>
@@ -6389,7 +6545,7 @@
                   <a:spcPct val="90000"/>
                 </a:lnSpc>
               </a:pPr>
-              <a:endParaRPr lang="en-US" dirty="0" smtClean="0">
+              <a:endParaRPr lang="en-US" dirty="0">
                 <a:solidFill>
                   <a:schemeClr val="tx1"/>
                 </a:solidFill>
@@ -6456,7 +6612,7 @@
                   <a:spcPct val="90000"/>
                 </a:lnSpc>
               </a:pPr>
-              <a:endParaRPr lang="en-US" dirty="0" smtClean="0">
+              <a:endParaRPr lang="en-US" dirty="0">
                 <a:solidFill>
                   <a:schemeClr val="tx1"/>
                 </a:solidFill>
@@ -6523,7 +6679,7 @@
                   <a:spcPct val="90000"/>
                 </a:lnSpc>
               </a:pPr>
-              <a:endParaRPr lang="en-US" dirty="0" smtClean="0">
+              <a:endParaRPr lang="en-US" dirty="0">
                 <a:solidFill>
                   <a:schemeClr val="tx1"/>
                 </a:solidFill>
@@ -6590,7 +6746,7 @@
                   <a:spcPct val="90000"/>
                 </a:lnSpc>
               </a:pPr>
-              <a:endParaRPr lang="en-US" dirty="0" smtClean="0">
+              <a:endParaRPr lang="en-US" dirty="0">
                 <a:solidFill>
                   <a:schemeClr val="tx1"/>
                 </a:solidFill>
@@ -6657,7 +6813,7 @@
                   <a:spcPct val="90000"/>
                 </a:lnSpc>
               </a:pPr>
-              <a:endParaRPr lang="en-US" dirty="0" smtClean="0">
+              <a:endParaRPr lang="en-US" dirty="0">
                 <a:solidFill>
                   <a:schemeClr val="tx1"/>
                 </a:solidFill>
@@ -6724,7 +6880,7 @@
                   <a:spcPct val="90000"/>
                 </a:lnSpc>
               </a:pPr>
-              <a:endParaRPr lang="en-US" dirty="0" smtClean="0">
+              <a:endParaRPr lang="en-US" dirty="0">
                 <a:solidFill>
                   <a:schemeClr val="tx1"/>
                 </a:solidFill>
@@ -6791,7 +6947,7 @@
                   <a:spcPct val="90000"/>
                 </a:lnSpc>
               </a:pPr>
-              <a:endParaRPr lang="en-US" dirty="0" smtClean="0">
+              <a:endParaRPr lang="en-US" dirty="0">
                 <a:solidFill>
                   <a:schemeClr val="tx1"/>
                 </a:solidFill>
@@ -6858,7 +7014,7 @@
                   <a:spcPct val="90000"/>
                 </a:lnSpc>
               </a:pPr>
-              <a:endParaRPr lang="en-US" dirty="0" smtClean="0">
+              <a:endParaRPr lang="en-US" dirty="0">
                 <a:solidFill>
                   <a:schemeClr val="tx1"/>
                 </a:solidFill>
@@ -6925,7 +7081,7 @@
                   <a:spcPct val="90000"/>
                 </a:lnSpc>
               </a:pPr>
-              <a:endParaRPr lang="en-US" dirty="0" smtClean="0">
+              <a:endParaRPr lang="en-US" dirty="0">
                 <a:solidFill>
                   <a:schemeClr val="tx1"/>
                 </a:solidFill>
@@ -6978,7 +7134,7 @@
               <a:buChar char="•"/>
             </a:pPr>
             <a:r>
-              <a:rPr lang="en-US" dirty="0" smtClean="0">
+              <a:rPr lang="en-US" dirty="0">
                 <a:solidFill>
                   <a:srgbClr val="1E7640"/>
                 </a:solidFill>
@@ -6995,7 +7151,7 @@
               <a:buChar char="•"/>
             </a:pPr>
             <a:r>
-              <a:rPr lang="en-US" dirty="0" smtClean="0">
+              <a:rPr lang="en-US" dirty="0">
                 <a:solidFill>
                   <a:srgbClr val="1E7640"/>
                 </a:solidFill>
@@ -7012,7 +7168,7 @@
               <a:buChar char="•"/>
             </a:pPr>
             <a:r>
-              <a:rPr lang="en-US" dirty="0" smtClean="0">
+              <a:rPr lang="en-US" dirty="0">
                 <a:solidFill>
                   <a:srgbClr val="1E7640"/>
                 </a:solidFill>
@@ -7020,7 +7176,7 @@
               <a:t>Each copy has different </a:t>
             </a:r>
             <a:r>
-              <a:rPr lang="en-US" i="1" dirty="0" smtClean="0">
+              <a:rPr lang="en-US" i="1" dirty="0">
                 <a:solidFill>
                   <a:srgbClr val="1E7640"/>
                 </a:solidFill>
@@ -7028,7 +7184,7 @@
               <a:t>rank</a:t>
             </a:r>
             <a:r>
-              <a:rPr lang="en-US" dirty="0" smtClean="0">
+              <a:rPr lang="en-US" dirty="0">
                 <a:solidFill>
                   <a:srgbClr val="1E7640"/>
                 </a:solidFill>
@@ -7045,7 +7201,7 @@
               <a:buChar char="•"/>
             </a:pPr>
             <a:r>
-              <a:rPr lang="en-US" dirty="0" smtClean="0">
+              <a:rPr lang="en-US" dirty="0">
                 <a:solidFill>
                   <a:srgbClr val="1E7640"/>
                 </a:solidFill>
@@ -7065,17 +7221,10 @@
   <p:clrMapOvr>
     <a:masterClrMapping/>
   </p:clrMapOvr>
-  <p:timing>
-    <p:tnLst>
-      <p:par>
-        <p:cTn id="1" dur="indefinite" restart="never" nodeType="tmRoot"/>
-      </p:par>
-    </p:tnLst>
-  </p:timing>
 </p:sld>
 </file>
 
-<file path=ppt/slides/slide5.xml><?xml version="1.0" encoding="utf-8"?>
+<file path=ppt/slides/slide7.xml><?xml version="1.0" encoding="utf-8"?>
 <p:sld xmlns:a="http://schemas.openxmlformats.org/drawingml/2006/main" xmlns:r="http://schemas.openxmlformats.org/officeDocument/2006/relationships" xmlns:p="http://schemas.openxmlformats.org/presentationml/2006/main">
   <p:cSld>
     <p:spTree>
@@ -7108,7 +7257,7 @@
           <a:lstStyle/>
           <a:p>
             <a:r>
-              <a:rPr lang="en-US" dirty="0" smtClean="0"/>
+              <a:rPr lang="en-US" dirty="0"/>
               <a:t>Small Scaling Results on Rhea</a:t>
             </a:r>
             <a:r>
@@ -7116,10 +7265,9 @@
               <a:t>*</a:t>
             </a:r>
             <a:r>
-              <a:rPr lang="en-US" dirty="0" smtClean="0"/>
+              <a:rPr lang="en-US" dirty="0"/>
               <a:t> Cluster</a:t>
             </a:r>
-            <a:endParaRPr lang="en-US" dirty="0"/>
           </a:p>
         </p:txBody>
       </p:sp>
@@ -7180,7 +7328,7 @@
               </a:lnSpc>
             </a:pPr>
             <a:r>
-              <a:rPr lang="en-US" sz="2000" dirty="0" smtClean="0">
+              <a:rPr lang="en-US" sz="2000" dirty="0">
                 <a:solidFill>
                   <a:schemeClr val="tx2"/>
                 </a:solidFill>
@@ -7188,7 +7336,7 @@
               <a:t>*</a:t>
             </a:r>
             <a:r>
-              <a:rPr lang="en-US" sz="1400" dirty="0" smtClean="0">
+              <a:rPr lang="en-US" sz="1400" dirty="0">
                 <a:solidFill>
                   <a:schemeClr val="tx2"/>
                 </a:solidFill>
@@ -7259,7 +7407,7 @@
               <a:rPr lang="en-US" sz="1200" i="1" dirty="0"/>
               <a:t> as will appear in proceedings)</a:t>
             </a:r>
-            <a:endParaRPr lang="en-US" sz="1200" dirty="0" smtClean="0"/>
+            <a:endParaRPr lang="en-US" sz="1200" dirty="0"/>
           </a:p>
         </p:txBody>
       </p:sp>
@@ -7273,13 +7421,6 @@
   <p:clrMapOvr>
     <a:masterClrMapping/>
   </p:clrMapOvr>
-  <p:timing>
-    <p:tnLst>
-      <p:par>
-        <p:cTn id="1" dur="indefinite" restart="never" nodeType="tmRoot"/>
-      </p:par>
-    </p:tnLst>
-  </p:timing>
 </p:sld>
 </file>
 
